--- a/SA2/Apresentacao-Modelagem-Sistema.pptx
+++ b/SA2/Apresentacao-Modelagem-Sistema.pptx
@@ -112,6 +112,11 @@
       </a:defRPr>
     </a:lvl9pPr>
   </p:defaultTextStyle>
+  <p:extLst>
+    <p:ext uri="{EFAFB233-063F-42B5-8137-9DF3F51BA10A}">
+      <p15:sldGuideLst xmlns:p15="http://schemas.microsoft.com/office/powerpoint/2012/main"/>
+    </p:ext>
+  </p:extLst>
 </p:presentation>
 </file>
 
@@ -5502,7 +5507,7 @@
         <a:p>
           <a:r>
             <a:rPr lang="pt-BR" dirty="0"/>
-            <a:t>Implementar método PUT;</a:t>
+            <a:t>Implementar método POST;</a:t>
           </a:r>
         </a:p>
       </dgm:t>
@@ -5646,7 +5651,7 @@
         <a:p>
           <a:r>
             <a:rPr lang="pt-BR" dirty="0"/>
-            <a:t>Implementar método POST;</a:t>
+            <a:t>Implementar método PUT;</a:t>
           </a:r>
         </a:p>
       </dgm:t>
@@ -8328,7 +8333,7 @@
           </a:pPr>
           <a:r>
             <a:rPr lang="pt-BR" sz="2000" kern="1200" dirty="0"/>
-            <a:t>Implementar método PUT;</a:t>
+            <a:t>Implementar método POST;</a:t>
           </a:r>
         </a:p>
       </dsp:txBody>
@@ -8640,7 +8645,7 @@
           </a:pPr>
           <a:r>
             <a:rPr lang="pt-BR" sz="2000" kern="1200" dirty="0"/>
-            <a:t>Implementar método POST;</a:t>
+            <a:t>Implementar método PUT;</a:t>
           </a:r>
         </a:p>
       </dsp:txBody>
@@ -20037,7 +20042,7 @@
           <a:p>
             <a:fld id="{F301F8ED-BE9F-42FF-8994-6C3CA2236A89}" type="datetimeFigureOut">
               <a:rPr lang="pt-BR" smtClean="0"/>
-              <a:t>02/02/2022</a:t>
+              <a:t>03/02/2022</a:t>
             </a:fld>
             <a:endParaRPr lang="pt-BR"/>
           </a:p>
@@ -20275,7 +20280,7 @@
           <a:p>
             <a:fld id="{F301F8ED-BE9F-42FF-8994-6C3CA2236A89}" type="datetimeFigureOut">
               <a:rPr lang="pt-BR" smtClean="0"/>
-              <a:t>02/02/2022</a:t>
+              <a:t>03/02/2022</a:t>
             </a:fld>
             <a:endParaRPr lang="pt-BR"/>
           </a:p>
@@ -20455,7 +20460,7 @@
           <a:p>
             <a:fld id="{F301F8ED-BE9F-42FF-8994-6C3CA2236A89}" type="datetimeFigureOut">
               <a:rPr lang="pt-BR" smtClean="0"/>
-              <a:t>02/02/2022</a:t>
+              <a:t>03/02/2022</a:t>
             </a:fld>
             <a:endParaRPr lang="pt-BR"/>
           </a:p>
@@ -20625,7 +20630,7 @@
           <a:p>
             <a:fld id="{F301F8ED-BE9F-42FF-8994-6C3CA2236A89}" type="datetimeFigureOut">
               <a:rPr lang="pt-BR" smtClean="0"/>
-              <a:t>02/02/2022</a:t>
+              <a:t>03/02/2022</a:t>
             </a:fld>
             <a:endParaRPr lang="pt-BR"/>
           </a:p>
@@ -20898,7 +20903,7 @@
           <a:p>
             <a:fld id="{F301F8ED-BE9F-42FF-8994-6C3CA2236A89}" type="datetimeFigureOut">
               <a:rPr lang="pt-BR" smtClean="0"/>
-              <a:t>02/02/2022</a:t>
+              <a:t>03/02/2022</a:t>
             </a:fld>
             <a:endParaRPr lang="pt-BR"/>
           </a:p>
@@ -22099,7 +22104,7 @@
           <a:p>
             <a:fld id="{F301F8ED-BE9F-42FF-8994-6C3CA2236A89}" type="datetimeFigureOut">
               <a:rPr lang="pt-BR" smtClean="0"/>
-              <a:t>02/02/2022</a:t>
+              <a:t>03/02/2022</a:t>
             </a:fld>
             <a:endParaRPr lang="pt-BR"/>
           </a:p>
@@ -22489,7 +22494,7 @@
           <a:p>
             <a:fld id="{F301F8ED-BE9F-42FF-8994-6C3CA2236A89}" type="datetimeFigureOut">
               <a:rPr lang="pt-BR" smtClean="0"/>
-              <a:t>02/02/2022</a:t>
+              <a:t>03/02/2022</a:t>
             </a:fld>
             <a:endParaRPr lang="pt-BR"/>
           </a:p>
@@ -22612,7 +22617,7 @@
           <a:p>
             <a:fld id="{F301F8ED-BE9F-42FF-8994-6C3CA2236A89}" type="datetimeFigureOut">
               <a:rPr lang="pt-BR" smtClean="0"/>
-              <a:t>02/02/2022</a:t>
+              <a:t>03/02/2022</a:t>
             </a:fld>
             <a:endParaRPr lang="pt-BR"/>
           </a:p>
@@ -22707,7 +22712,7 @@
           <a:p>
             <a:fld id="{F301F8ED-BE9F-42FF-8994-6C3CA2236A89}" type="datetimeFigureOut">
               <a:rPr lang="pt-BR" smtClean="0"/>
-              <a:t>02/02/2022</a:t>
+              <a:t>03/02/2022</a:t>
             </a:fld>
             <a:endParaRPr lang="pt-BR"/>
           </a:p>
@@ -23470,7 +23475,7 @@
           <a:p>
             <a:fld id="{F301F8ED-BE9F-42FF-8994-6C3CA2236A89}" type="datetimeFigureOut">
               <a:rPr lang="pt-BR" smtClean="0"/>
-              <a:t>02/02/2022</a:t>
+              <a:t>03/02/2022</a:t>
             </a:fld>
             <a:endParaRPr lang="pt-BR"/>
           </a:p>
@@ -24310,7 +24315,7 @@
           <a:p>
             <a:fld id="{F301F8ED-BE9F-42FF-8994-6C3CA2236A89}" type="datetimeFigureOut">
               <a:rPr lang="pt-BR" smtClean="0"/>
-              <a:t>02/02/2022</a:t>
+              <a:t>03/02/2022</a:t>
             </a:fld>
             <a:endParaRPr lang="pt-BR"/>
           </a:p>
@@ -24537,7 +24542,7 @@
           <a:p>
             <a:fld id="{F301F8ED-BE9F-42FF-8994-6C3CA2236A89}" type="datetimeFigureOut">
               <a:rPr lang="pt-BR" smtClean="0"/>
-              <a:t>02/02/2022</a:t>
+              <a:t>03/02/2022</a:t>
             </a:fld>
             <a:endParaRPr lang="pt-BR"/>
           </a:p>
@@ -26423,7 +26428,7 @@
             <p:ph idx="1"/>
             <p:extLst>
               <p:ext uri="{D42A27DB-BD31-4B8C-83A1-F6EECF244321}">
-                <p14:modId xmlns:p14="http://schemas.microsoft.com/office/powerpoint/2010/main" val="2452030902"/>
+                <p14:modId xmlns:p14="http://schemas.microsoft.com/office/powerpoint/2010/main" val="3070757893"/>
               </p:ext>
             </p:extLst>
           </p:nvPr>
